--- a/monkeyconf-template.pptx
+++ b/monkeyconf-template.pptx
@@ -2798,7 +2798,7 @@
         </p:blipFill>
         <p:spPr bwMode="auto">
           <a:xfrm>
-            <a:off x="457200" y="1158754"/>
+            <a:off x="348804" y="1189655"/>
             <a:ext cx="1649280" cy="1649280"/>
           </a:xfrm>
           <a:prstGeom prst="rect">
@@ -2892,7 +2892,7 @@
         </p:blipFill>
         <p:spPr bwMode="auto">
           <a:xfrm>
-            <a:off x="3846960" y="1111632"/>
+            <a:off x="3908076" y="1111178"/>
             <a:ext cx="1645920" cy="1645920"/>
           </a:xfrm>
           <a:prstGeom prst="rect">
@@ -2939,7 +2939,7 @@
         </p:blipFill>
         <p:spPr bwMode="auto">
           <a:xfrm>
-            <a:off x="457200" y="2571750"/>
+            <a:off x="304884" y="2550826"/>
             <a:ext cx="1645920" cy="1645920"/>
           </a:xfrm>
           <a:prstGeom prst="rect">
@@ -3033,7 +3033,7 @@
         </p:blipFill>
         <p:spPr bwMode="auto">
           <a:xfrm>
-            <a:off x="3799680" y="2550826"/>
+            <a:off x="3871718" y="2550826"/>
             <a:ext cx="1645920" cy="1645920"/>
           </a:xfrm>
           <a:prstGeom prst="rect">
@@ -3080,7 +3080,7 @@
         </p:blipFill>
         <p:spPr bwMode="auto">
           <a:xfrm>
-            <a:off x="544830" y="3732059"/>
+            <a:off x="352164" y="3733096"/>
             <a:ext cx="1645920" cy="1645920"/>
           </a:xfrm>
           <a:prstGeom prst="rect">
@@ -3096,6 +3096,36 @@
               </a14:hiddenFill>
             </a:ext>
           </a:extLst>
+        </p:spPr>
+      </p:pic>
+      <p:pic>
+        <p:nvPicPr>
+          <p:cNvPr id="4" name="Picture 3" descr="Logo&#10;&#10;Description automatically generated">
+            <a:extLst>
+              <a:ext uri="{FF2B5EF4-FFF2-40B4-BE49-F238E27FC236}">
+                <a16:creationId xmlns:a16="http://schemas.microsoft.com/office/drawing/2014/main" id="{9850139C-1BDF-CF5E-33EE-2C67DBA062F1}"/>
+              </a:ext>
+            </a:extLst>
+          </p:cNvPr>
+          <p:cNvPicPr>
+            <a:picLocks noChangeAspect="1"/>
+          </p:cNvPicPr>
+          <p:nvPr/>
+        </p:nvPicPr>
+        <p:blipFill>
+          <a:blip r:embed="rId10"/>
+          <a:stretch>
+            <a:fillRect/>
+          </a:stretch>
+        </p:blipFill>
+        <p:spPr>
+          <a:xfrm>
+            <a:off x="2100694" y="3454900"/>
+            <a:ext cx="1980525" cy="1980525"/>
+          </a:xfrm>
+          <a:prstGeom prst="rect">
+            <a:avLst/>
+          </a:prstGeom>
         </p:spPr>
       </p:pic>
     </p:spTree>

--- a/monkeyconf-template.pptx
+++ b/monkeyconf-template.pptx
@@ -3100,10 +3100,10 @@
       </p:pic>
       <p:pic>
         <p:nvPicPr>
-          <p:cNvPr id="4" name="Picture 3" descr="Logo&#10;&#10;Description automatically generated">
+          <p:cNvPr id="5" name="Picture 4" descr="Logo, company name&#10;&#10;Description automatically generated">
             <a:extLst>
               <a:ext uri="{FF2B5EF4-FFF2-40B4-BE49-F238E27FC236}">
-                <a16:creationId xmlns:a16="http://schemas.microsoft.com/office/drawing/2014/main" id="{9850139C-1BDF-CF5E-33EE-2C67DBA062F1}"/>
+                <a16:creationId xmlns:a16="http://schemas.microsoft.com/office/drawing/2014/main" id="{D2EDCA9D-56B5-D4C8-3064-C131695EADF9}"/>
               </a:ext>
             </a:extLst>
           </p:cNvPr>
@@ -3120,8 +3120,8 @@
         </p:blipFill>
         <p:spPr>
           <a:xfrm>
-            <a:off x="2100694" y="3454900"/>
-            <a:ext cx="1980525" cy="1980525"/>
+            <a:off x="1998084" y="3483674"/>
+            <a:ext cx="2100568" cy="2100568"/>
           </a:xfrm>
           <a:prstGeom prst="rect">
             <a:avLst/>
